--- a/組織と自治体-依頼主、会員との関係シーケンス.pptx
+++ b/組織と自治体-依頼主、会員との関係シーケンス.pptx
@@ -105,6 +105,11 @@
       </a:defRPr>
     </a:lvl9pPr>
   </p:defaultTextStyle>
+  <p:extLst>
+    <p:ext uri="{EFAFB233-063F-42B5-8137-9DF3F51BA10A}">
+      <p15:sldGuideLst xmlns:p15="http://schemas.microsoft.com/office/powerpoint/2012/main"/>
+    </p:ext>
+  </p:extLst>
 </p:presentation>
 </file>
 
@@ -3314,8 +3319,8 @@
         </p:nvSpPr>
         <p:spPr>
           <a:xfrm>
-            <a:off x="11077074" y="80210"/>
-            <a:ext cx="240632" cy="6697579"/>
+            <a:off x="11085095" y="62499"/>
+            <a:ext cx="285269" cy="3838484"/>
           </a:xfrm>
           <a:prstGeom prst="rect">
             <a:avLst/>
@@ -3350,16 +3355,472 @@
           </a:p>
         </p:txBody>
       </p:sp>
-      <p:sp>
-        <p:nvSpPr>
-          <p:cNvPr id="9" name="正方形/長方形 8"/>
+      <p:cxnSp>
+        <p:nvCxnSpPr>
+          <p:cNvPr id="10" name="直線矢印コネクタ 9"/>
+          <p:cNvCxnSpPr/>
+          <p:nvPr/>
+        </p:nvCxnSpPr>
+        <p:spPr>
+          <a:xfrm>
+            <a:off x="1796716" y="292769"/>
+            <a:ext cx="4459705" cy="4010"/>
+          </a:xfrm>
+          <a:prstGeom prst="straightConnector1">
+            <a:avLst/>
+          </a:prstGeom>
+          <a:ln>
+            <a:tailEnd type="triangle"/>
+          </a:ln>
+        </p:spPr>
+        <p:style>
+          <a:lnRef idx="1">
+            <a:schemeClr val="accent1"/>
+          </a:lnRef>
+          <a:fillRef idx="0">
+            <a:schemeClr val="accent1"/>
+          </a:fillRef>
+          <a:effectRef idx="0">
+            <a:schemeClr val="accent1"/>
+          </a:effectRef>
+          <a:fontRef idx="minor">
+            <a:schemeClr val="tx1"/>
+          </a:fontRef>
+        </p:style>
+      </p:cxnSp>
+      <p:sp>
+        <p:nvSpPr>
+          <p:cNvPr id="12" name="テキスト ボックス 11"/>
+          <p:cNvSpPr txBox="1"/>
+          <p:nvPr/>
+        </p:nvSpPr>
+        <p:spPr>
+          <a:xfrm flipH="1">
+            <a:off x="2787315" y="320844"/>
+            <a:ext cx="2478506" cy="215444"/>
+          </a:xfrm>
+          <a:prstGeom prst="rect">
+            <a:avLst/>
+          </a:prstGeom>
+          <a:noFill/>
+        </p:spPr>
+        <p:txBody>
+          <a:bodyPr wrap="square" rtlCol="0">
+            <a:spAutoFit/>
+          </a:bodyPr>
+          <a:lstStyle/>
+          <a:p>
+            <a:pPr algn="ctr"/>
+            <a:r>
+              <a:rPr kumimoji="1" lang="ja-JP" altLang="en-US" sz="800" dirty="0" smtClean="0"/>
+              <a:t>団体加入依頼</a:t>
+            </a:r>
+            <a:endParaRPr kumimoji="1" lang="ja-JP" altLang="en-US" sz="800" dirty="0"/>
+          </a:p>
+        </p:txBody>
+      </p:sp>
+      <p:cxnSp>
+        <p:nvCxnSpPr>
+          <p:cNvPr id="13" name="直線矢印コネクタ 12"/>
+          <p:cNvCxnSpPr/>
+          <p:nvPr/>
+        </p:nvCxnSpPr>
+        <p:spPr>
+          <a:xfrm flipH="1" flipV="1">
+            <a:off x="1828801" y="762002"/>
+            <a:ext cx="4427620" cy="24062"/>
+          </a:xfrm>
+          <a:prstGeom prst="straightConnector1">
+            <a:avLst/>
+          </a:prstGeom>
+          <a:ln>
+            <a:tailEnd type="triangle"/>
+          </a:ln>
+        </p:spPr>
+        <p:style>
+          <a:lnRef idx="1">
+            <a:schemeClr val="accent1"/>
+          </a:lnRef>
+          <a:fillRef idx="0">
+            <a:schemeClr val="accent1"/>
+          </a:fillRef>
+          <a:effectRef idx="0">
+            <a:schemeClr val="accent1"/>
+          </a:effectRef>
+          <a:fontRef idx="minor">
+            <a:schemeClr val="tx1"/>
+          </a:fontRef>
+        </p:style>
+      </p:cxnSp>
+      <p:sp>
+        <p:nvSpPr>
+          <p:cNvPr id="20" name="テキスト ボックス 19"/>
+          <p:cNvSpPr txBox="1"/>
+          <p:nvPr/>
+        </p:nvSpPr>
+        <p:spPr>
+          <a:xfrm flipH="1">
+            <a:off x="2727158" y="787191"/>
+            <a:ext cx="2478506" cy="215444"/>
+          </a:xfrm>
+          <a:prstGeom prst="rect">
+            <a:avLst/>
+          </a:prstGeom>
+          <a:noFill/>
+        </p:spPr>
+        <p:txBody>
+          <a:bodyPr wrap="square" rtlCol="0">
+            <a:spAutoFit/>
+          </a:bodyPr>
+          <a:lstStyle/>
+          <a:p>
+            <a:pPr algn="ctr"/>
+            <a:r>
+              <a:rPr kumimoji="1" lang="ja-JP" altLang="en-US" sz="800" dirty="0" smtClean="0"/>
+              <a:t>スキル審査</a:t>
+            </a:r>
+            <a:endParaRPr kumimoji="1" lang="ja-JP" altLang="en-US" sz="800" dirty="0"/>
+          </a:p>
+        </p:txBody>
+      </p:sp>
+      <p:cxnSp>
+        <p:nvCxnSpPr>
+          <p:cNvPr id="21" name="直線矢印コネクタ 20"/>
+          <p:cNvCxnSpPr/>
+          <p:nvPr/>
+        </p:nvCxnSpPr>
+        <p:spPr>
+          <a:xfrm flipH="1" flipV="1">
+            <a:off x="1828801" y="1284492"/>
+            <a:ext cx="4427620" cy="24062"/>
+          </a:xfrm>
+          <a:prstGeom prst="straightConnector1">
+            <a:avLst/>
+          </a:prstGeom>
+          <a:ln>
+            <a:tailEnd type="triangle"/>
+          </a:ln>
+        </p:spPr>
+        <p:style>
+          <a:lnRef idx="1">
+            <a:schemeClr val="accent1"/>
+          </a:lnRef>
+          <a:fillRef idx="0">
+            <a:schemeClr val="accent1"/>
+          </a:fillRef>
+          <a:effectRef idx="0">
+            <a:schemeClr val="accent1"/>
+          </a:effectRef>
+          <a:fontRef idx="minor">
+            <a:schemeClr val="tx1"/>
+          </a:fontRef>
+        </p:style>
+      </p:cxnSp>
+      <p:sp>
+        <p:nvSpPr>
+          <p:cNvPr id="22" name="テキスト ボックス 21"/>
+          <p:cNvSpPr txBox="1"/>
+          <p:nvPr/>
+        </p:nvSpPr>
+        <p:spPr>
+          <a:xfrm flipH="1">
+            <a:off x="2727158" y="1309681"/>
+            <a:ext cx="2478506" cy="215444"/>
+          </a:xfrm>
+          <a:prstGeom prst="rect">
+            <a:avLst/>
+          </a:prstGeom>
+          <a:noFill/>
+        </p:spPr>
+        <p:txBody>
+          <a:bodyPr wrap="square" rtlCol="0">
+            <a:spAutoFit/>
+          </a:bodyPr>
+          <a:lstStyle/>
+          <a:p>
+            <a:pPr algn="ctr"/>
+            <a:r>
+              <a:rPr kumimoji="1" lang="ja-JP" altLang="en-US" sz="800" dirty="0" smtClean="0"/>
+              <a:t>加入承認・団体加入者</a:t>
+            </a:r>
+            <a:r>
+              <a:rPr kumimoji="1" lang="en-US" altLang="ja-JP" sz="800" dirty="0" smtClean="0"/>
+              <a:t>ID</a:t>
+            </a:r>
+            <a:r>
+              <a:rPr kumimoji="1" lang="ja-JP" altLang="en-US" sz="800" dirty="0" smtClean="0"/>
+              <a:t>付与</a:t>
+            </a:r>
+            <a:endParaRPr kumimoji="1" lang="ja-JP" altLang="en-US" sz="800" dirty="0"/>
+          </a:p>
+        </p:txBody>
+      </p:sp>
+      <p:cxnSp>
+        <p:nvCxnSpPr>
+          <p:cNvPr id="23" name="直線矢印コネクタ 22"/>
+          <p:cNvCxnSpPr/>
+          <p:nvPr/>
+        </p:nvCxnSpPr>
+        <p:spPr>
+          <a:xfrm>
+            <a:off x="1796716" y="1870109"/>
+            <a:ext cx="4459705" cy="4010"/>
+          </a:xfrm>
+          <a:prstGeom prst="straightConnector1">
+            <a:avLst/>
+          </a:prstGeom>
+          <a:ln>
+            <a:tailEnd type="triangle"/>
+          </a:ln>
+        </p:spPr>
+        <p:style>
+          <a:lnRef idx="1">
+            <a:schemeClr val="accent1"/>
+          </a:lnRef>
+          <a:fillRef idx="0">
+            <a:schemeClr val="accent1"/>
+          </a:fillRef>
+          <a:effectRef idx="0">
+            <a:schemeClr val="accent1"/>
+          </a:effectRef>
+          <a:fontRef idx="minor">
+            <a:schemeClr val="tx1"/>
+          </a:fontRef>
+        </p:style>
+      </p:cxnSp>
+      <p:sp>
+        <p:nvSpPr>
+          <p:cNvPr id="24" name="テキスト ボックス 23"/>
+          <p:cNvSpPr txBox="1"/>
+          <p:nvPr/>
+        </p:nvSpPr>
+        <p:spPr>
+          <a:xfrm flipH="1">
+            <a:off x="2787315" y="1898184"/>
+            <a:ext cx="2478506" cy="215444"/>
+          </a:xfrm>
+          <a:prstGeom prst="rect">
+            <a:avLst/>
+          </a:prstGeom>
+          <a:noFill/>
+        </p:spPr>
+        <p:txBody>
+          <a:bodyPr wrap="square" rtlCol="0">
+            <a:spAutoFit/>
+          </a:bodyPr>
+          <a:lstStyle/>
+          <a:p>
+            <a:pPr algn="ctr"/>
+            <a:r>
+              <a:rPr kumimoji="1" lang="ja-JP" altLang="en-US" sz="800" dirty="0" smtClean="0"/>
+              <a:t>出動地検索</a:t>
+            </a:r>
+            <a:endParaRPr kumimoji="1" lang="ja-JP" altLang="en-US" sz="800" dirty="0"/>
+          </a:p>
+        </p:txBody>
+      </p:sp>
+      <p:cxnSp>
+        <p:nvCxnSpPr>
+          <p:cNvPr id="28" name="直線矢印コネクタ 27"/>
+          <p:cNvCxnSpPr/>
+          <p:nvPr/>
+        </p:nvCxnSpPr>
+        <p:spPr>
+          <a:xfrm flipH="1" flipV="1">
+            <a:off x="1796716" y="2362840"/>
+            <a:ext cx="4427620" cy="24062"/>
+          </a:xfrm>
+          <a:prstGeom prst="straightConnector1">
+            <a:avLst/>
+          </a:prstGeom>
+          <a:ln>
+            <a:tailEnd type="triangle"/>
+          </a:ln>
+        </p:spPr>
+        <p:style>
+          <a:lnRef idx="1">
+            <a:schemeClr val="accent1"/>
+          </a:lnRef>
+          <a:fillRef idx="0">
+            <a:schemeClr val="accent1"/>
+          </a:fillRef>
+          <a:effectRef idx="0">
+            <a:schemeClr val="accent1"/>
+          </a:effectRef>
+          <a:fontRef idx="minor">
+            <a:schemeClr val="tx1"/>
+          </a:fontRef>
+        </p:style>
+      </p:cxnSp>
+      <p:sp>
+        <p:nvSpPr>
+          <p:cNvPr id="29" name="テキスト ボックス 28"/>
+          <p:cNvSpPr txBox="1"/>
+          <p:nvPr/>
+        </p:nvSpPr>
+        <p:spPr>
+          <a:xfrm flipH="1">
+            <a:off x="2695073" y="2388029"/>
+            <a:ext cx="2478506" cy="215444"/>
+          </a:xfrm>
+          <a:prstGeom prst="rect">
+            <a:avLst/>
+          </a:prstGeom>
+          <a:noFill/>
+        </p:spPr>
+        <p:txBody>
+          <a:bodyPr wrap="square" rtlCol="0">
+            <a:spAutoFit/>
+          </a:bodyPr>
+          <a:lstStyle/>
+          <a:p>
+            <a:pPr algn="ctr"/>
+            <a:r>
+              <a:rPr kumimoji="1" lang="ja-JP" altLang="en-US" sz="800" dirty="0" smtClean="0"/>
+              <a:t>依頼エリアと対照紹介情報</a:t>
+            </a:r>
+            <a:endParaRPr kumimoji="1" lang="ja-JP" altLang="en-US" sz="800" dirty="0"/>
+          </a:p>
+        </p:txBody>
+      </p:sp>
+      <p:cxnSp>
+        <p:nvCxnSpPr>
+          <p:cNvPr id="32" name="直線矢印コネクタ 31"/>
+          <p:cNvCxnSpPr/>
+          <p:nvPr/>
+        </p:nvCxnSpPr>
+        <p:spPr>
+          <a:xfrm>
+            <a:off x="1796716" y="2979490"/>
+            <a:ext cx="4459705" cy="4010"/>
+          </a:xfrm>
+          <a:prstGeom prst="straightConnector1">
+            <a:avLst/>
+          </a:prstGeom>
+          <a:ln>
+            <a:tailEnd type="triangle"/>
+          </a:ln>
+        </p:spPr>
+        <p:style>
+          <a:lnRef idx="1">
+            <a:schemeClr val="accent1"/>
+          </a:lnRef>
+          <a:fillRef idx="0">
+            <a:schemeClr val="accent1"/>
+          </a:fillRef>
+          <a:effectRef idx="0">
+            <a:schemeClr val="accent1"/>
+          </a:effectRef>
+          <a:fontRef idx="minor">
+            <a:schemeClr val="tx1"/>
+          </a:fontRef>
+        </p:style>
+      </p:cxnSp>
+      <p:sp>
+        <p:nvSpPr>
+          <p:cNvPr id="33" name="テキスト ボックス 32"/>
+          <p:cNvSpPr txBox="1"/>
+          <p:nvPr/>
+        </p:nvSpPr>
+        <p:spPr>
+          <a:xfrm flipH="1">
+            <a:off x="2787315" y="3007565"/>
+            <a:ext cx="2478506" cy="215444"/>
+          </a:xfrm>
+          <a:prstGeom prst="rect">
+            <a:avLst/>
+          </a:prstGeom>
+          <a:noFill/>
+        </p:spPr>
+        <p:txBody>
+          <a:bodyPr wrap="square" rtlCol="0">
+            <a:spAutoFit/>
+          </a:bodyPr>
+          <a:lstStyle/>
+          <a:p>
+            <a:pPr algn="ctr"/>
+            <a:r>
+              <a:rPr kumimoji="1" lang="ja-JP" altLang="en-US" sz="800" dirty="0" smtClean="0"/>
+              <a:t>出動予定報告</a:t>
+            </a:r>
+            <a:endParaRPr kumimoji="1" lang="ja-JP" altLang="en-US" sz="800" dirty="0"/>
+          </a:p>
+        </p:txBody>
+      </p:sp>
+      <p:cxnSp>
+        <p:nvCxnSpPr>
+          <p:cNvPr id="34" name="直線矢印コネクタ 33"/>
+          <p:cNvCxnSpPr/>
+          <p:nvPr/>
+        </p:nvCxnSpPr>
+        <p:spPr>
+          <a:xfrm flipV="1">
+            <a:off x="1800727" y="3459137"/>
+            <a:ext cx="9276347" cy="17567"/>
+          </a:xfrm>
+          <a:prstGeom prst="straightConnector1">
+            <a:avLst/>
+          </a:prstGeom>
+          <a:ln>
+            <a:tailEnd type="triangle"/>
+          </a:ln>
+        </p:spPr>
+        <p:style>
+          <a:lnRef idx="1">
+            <a:schemeClr val="accent1"/>
+          </a:lnRef>
+          <a:fillRef idx="0">
+            <a:schemeClr val="accent1"/>
+          </a:fillRef>
+          <a:effectRef idx="0">
+            <a:schemeClr val="accent1"/>
+          </a:effectRef>
+          <a:fontRef idx="minor">
+            <a:schemeClr val="tx1"/>
+          </a:fontRef>
+        </p:style>
+      </p:cxnSp>
+      <p:sp>
+        <p:nvSpPr>
+          <p:cNvPr id="35" name="テキスト ボックス 34"/>
+          <p:cNvSpPr txBox="1"/>
+          <p:nvPr/>
+        </p:nvSpPr>
+        <p:spPr>
+          <a:xfrm flipH="1">
+            <a:off x="2791326" y="3504779"/>
+            <a:ext cx="2478506" cy="215444"/>
+          </a:xfrm>
+          <a:prstGeom prst="rect">
+            <a:avLst/>
+          </a:prstGeom>
+          <a:noFill/>
+        </p:spPr>
+        <p:txBody>
+          <a:bodyPr wrap="square" rtlCol="0">
+            <a:spAutoFit/>
+          </a:bodyPr>
+          <a:lstStyle/>
+          <a:p>
+            <a:pPr algn="ctr"/>
+            <a:r>
+              <a:rPr kumimoji="1" lang="ja-JP" altLang="en-US" sz="800" dirty="0" smtClean="0"/>
+              <a:t>結果報告</a:t>
+            </a:r>
+            <a:endParaRPr kumimoji="1" lang="ja-JP" altLang="en-US" sz="800" dirty="0"/>
+          </a:p>
+        </p:txBody>
+      </p:sp>
+      <p:sp>
+        <p:nvSpPr>
+          <p:cNvPr id="37" name="正方形/長方形 36"/>
           <p:cNvSpPr/>
           <p:nvPr/>
         </p:nvSpPr>
         <p:spPr>
           <a:xfrm>
-            <a:off x="1556084" y="80210"/>
-            <a:ext cx="240632" cy="6697579"/>
+            <a:off x="7916779" y="3900982"/>
+            <a:ext cx="320772" cy="2859095"/>
           </a:xfrm>
           <a:prstGeom prst="rect">
             <a:avLst/>
@@ -3388,7 +3849,15 @@
             <a:pPr algn="ctr"/>
             <a:r>
               <a:rPr kumimoji="1" lang="ja-JP" altLang="en-US" dirty="0" smtClean="0"/>
-              <a:t>団体会員</a:t>
+              <a:t>製品素材卸</a:t>
+            </a:r>
+            <a:endParaRPr kumimoji="1" lang="en-US" altLang="ja-JP" dirty="0" smtClean="0"/>
+          </a:p>
+          <a:p>
+            <a:pPr algn="ctr"/>
+            <a:r>
+              <a:rPr kumimoji="1" lang="ja-JP" altLang="en-US" dirty="0" smtClean="0"/>
+              <a:t>食肉皮革等</a:t>
             </a:r>
             <a:endParaRPr kumimoji="1" lang="ja-JP" altLang="en-US" dirty="0"/>
           </a:p>
@@ -3396,14 +3865,14 @@
       </p:sp>
       <p:cxnSp>
         <p:nvCxnSpPr>
-          <p:cNvPr id="10" name="直線矢印コネクタ 9"/>
+          <p:cNvPr id="38" name="直線矢印コネクタ 37"/>
           <p:cNvCxnSpPr/>
           <p:nvPr/>
         </p:nvCxnSpPr>
         <p:spPr>
-          <a:xfrm>
-            <a:off x="1796716" y="292769"/>
-            <a:ext cx="4459705" cy="4010"/>
+          <a:xfrm flipV="1">
+            <a:off x="1804738" y="4443663"/>
+            <a:ext cx="6047873" cy="666"/>
           </a:xfrm>
           <a:prstGeom prst="straightConnector1">
             <a:avLst/>
@@ -3429,13 +3898,13 @@
       </p:cxnSp>
       <p:sp>
         <p:nvSpPr>
-          <p:cNvPr id="12" name="テキスト ボックス 11"/>
+          <p:cNvPr id="39" name="テキスト ボックス 38"/>
           <p:cNvSpPr txBox="1"/>
           <p:nvPr/>
         </p:nvSpPr>
         <p:spPr>
           <a:xfrm flipH="1">
-            <a:off x="2787315" y="320844"/>
+            <a:off x="2795337" y="4490752"/>
             <a:ext cx="2478506" cy="215444"/>
           </a:xfrm>
           <a:prstGeom prst="rect">
@@ -3451,8 +3920,8 @@
           <a:p>
             <a:pPr algn="ctr"/>
             <a:r>
-              <a:rPr kumimoji="1" lang="ja-JP" altLang="en-US" sz="800" dirty="0" smtClean="0"/>
-              <a:t>団体加入依頼</a:t>
+              <a:rPr lang="ja-JP" altLang="en-US" sz="800" dirty="0" smtClean="0"/>
+              <a:t>捕獲鳥獣の提供</a:t>
             </a:r>
             <a:endParaRPr kumimoji="1" lang="ja-JP" altLang="en-US" sz="800" dirty="0"/>
           </a:p>
@@ -3460,14 +3929,140 @@
       </p:sp>
       <p:cxnSp>
         <p:nvCxnSpPr>
-          <p:cNvPr id="13" name="直線矢印コネクタ 12"/>
+          <p:cNvPr id="43" name="直線矢印コネクタ 42"/>
           <p:cNvCxnSpPr/>
           <p:nvPr/>
         </p:nvCxnSpPr>
         <p:spPr>
+          <a:xfrm flipV="1">
+            <a:off x="1804738" y="5019300"/>
+            <a:ext cx="6112041" cy="2"/>
+          </a:xfrm>
+          <a:prstGeom prst="straightConnector1">
+            <a:avLst/>
+          </a:prstGeom>
+          <a:ln>
+            <a:headEnd type="triangle"/>
+          </a:ln>
+        </p:spPr>
+        <p:style>
+          <a:lnRef idx="1">
+            <a:schemeClr val="accent1"/>
+          </a:lnRef>
+          <a:fillRef idx="0">
+            <a:schemeClr val="accent1"/>
+          </a:fillRef>
+          <a:effectRef idx="0">
+            <a:schemeClr val="accent1"/>
+          </a:effectRef>
+          <a:fontRef idx="minor">
+            <a:schemeClr val="tx1"/>
+          </a:fontRef>
+        </p:style>
+      </p:cxnSp>
+      <p:sp>
+        <p:nvSpPr>
+          <p:cNvPr id="44" name="テキスト ボックス 43"/>
+          <p:cNvSpPr txBox="1"/>
+          <p:nvPr/>
+        </p:nvSpPr>
+        <p:spPr>
+          <a:xfrm flipH="1">
+            <a:off x="2727157" y="5019300"/>
+            <a:ext cx="2478506" cy="215444"/>
+          </a:xfrm>
+          <a:prstGeom prst="rect">
+            <a:avLst/>
+          </a:prstGeom>
+        </p:spPr>
+        <p:txBody>
+          <a:bodyPr wrap="square" rtlCol="0">
+            <a:spAutoFit/>
+          </a:bodyPr>
+          <a:lstStyle/>
+          <a:p>
+            <a:pPr algn="ctr"/>
+            <a:r>
+              <a:rPr kumimoji="1" lang="ja-JP" altLang="en-US" sz="800" dirty="0" smtClean="0"/>
+              <a:t>販売謝礼金</a:t>
+            </a:r>
+            <a:endParaRPr kumimoji="1" lang="ja-JP" altLang="en-US" sz="800" dirty="0"/>
+          </a:p>
+        </p:txBody>
+      </p:sp>
+      <p:cxnSp>
+        <p:nvCxnSpPr>
+          <p:cNvPr id="54" name="直線矢印コネクタ 53"/>
+          <p:cNvCxnSpPr/>
+          <p:nvPr/>
+        </p:nvCxnSpPr>
+        <p:spPr>
+          <a:xfrm>
+            <a:off x="1828801" y="3821054"/>
+            <a:ext cx="9248273" cy="14839"/>
+          </a:xfrm>
+          <a:prstGeom prst="straightConnector1">
+            <a:avLst/>
+          </a:prstGeom>
+          <a:ln>
+            <a:headEnd type="triangle"/>
+          </a:ln>
+        </p:spPr>
+        <p:style>
+          <a:lnRef idx="1">
+            <a:schemeClr val="accent1"/>
+          </a:lnRef>
+          <a:fillRef idx="0">
+            <a:schemeClr val="accent1"/>
+          </a:fillRef>
+          <a:effectRef idx="0">
+            <a:schemeClr val="accent1"/>
+          </a:effectRef>
+          <a:fontRef idx="minor">
+            <a:schemeClr val="tx1"/>
+          </a:fontRef>
+        </p:style>
+      </p:cxnSp>
+      <p:sp>
+        <p:nvSpPr>
+          <p:cNvPr id="55" name="テキスト ボックス 54"/>
+          <p:cNvSpPr txBox="1"/>
+          <p:nvPr/>
+        </p:nvSpPr>
+        <p:spPr>
+          <a:xfrm flipH="1">
+            <a:off x="2751220" y="3821053"/>
+            <a:ext cx="2478506" cy="215444"/>
+          </a:xfrm>
+          <a:prstGeom prst="rect">
+            <a:avLst/>
+          </a:prstGeom>
+        </p:spPr>
+        <p:txBody>
+          <a:bodyPr wrap="square" rtlCol="0">
+            <a:spAutoFit/>
+          </a:bodyPr>
+          <a:lstStyle/>
+          <a:p>
+            <a:pPr algn="ctr"/>
+            <a:r>
+              <a:rPr kumimoji="1" lang="ja-JP" altLang="en-US" sz="800" dirty="0" smtClean="0"/>
+              <a:t>販売謝礼金</a:t>
+            </a:r>
+            <a:endParaRPr kumimoji="1" lang="ja-JP" altLang="en-US" sz="800" dirty="0"/>
+          </a:p>
+        </p:txBody>
+      </p:sp>
+      <p:cxnSp>
+        <p:nvCxnSpPr>
+          <p:cNvPr id="58" name="直線矢印コネクタ 57"/>
+          <p:cNvCxnSpPr/>
+          <p:nvPr/>
+        </p:nvCxnSpPr>
+        <p:spPr>
           <a:xfrm flipH="1" flipV="1">
-            <a:off x="1828801" y="762002"/>
-            <a:ext cx="4427620" cy="24062"/>
+            <a:off x="6529138" y="158052"/>
+            <a:ext cx="4547936" cy="24494"/>
           </a:xfrm>
           <a:prstGeom prst="straightConnector1">
             <a:avLst/>
@@ -3493,13 +4088,13 @@
       </p:cxnSp>
       <p:sp>
         <p:nvSpPr>
-          <p:cNvPr id="20" name="テキスト ボックス 19"/>
+          <p:cNvPr id="59" name="テキスト ボックス 58"/>
           <p:cNvSpPr txBox="1"/>
           <p:nvPr/>
         </p:nvSpPr>
         <p:spPr>
           <a:xfrm flipH="1">
-            <a:off x="2727158" y="787191"/>
+            <a:off x="7547811" y="183673"/>
             <a:ext cx="2478506" cy="215444"/>
           </a:xfrm>
           <a:prstGeom prst="rect">
@@ -3515,351 +4110,27 @@
           <a:p>
             <a:pPr algn="ctr"/>
             <a:r>
-              <a:rPr kumimoji="1" lang="ja-JP" altLang="en-US" sz="800" dirty="0" smtClean="0"/>
-              <a:t>スキルチェック審査</a:t>
+              <a:rPr lang="ja-JP" altLang="en-US" sz="800" dirty="0" smtClean="0"/>
+              <a:t>駆除</a:t>
+            </a:r>
+            <a:r>
+              <a:rPr lang="ja-JP" altLang="en-US" sz="800" dirty="0"/>
+              <a:t>依頼</a:t>
             </a:r>
             <a:endParaRPr kumimoji="1" lang="ja-JP" altLang="en-US" sz="800" dirty="0"/>
           </a:p>
         </p:txBody>
       </p:sp>
-      <p:cxnSp>
-        <p:nvCxnSpPr>
-          <p:cNvPr id="21" name="直線矢印コネクタ 20"/>
-          <p:cNvCxnSpPr/>
-          <p:nvPr/>
-        </p:nvCxnSpPr>
-        <p:spPr>
-          <a:xfrm flipH="1" flipV="1">
-            <a:off x="1828801" y="1284492"/>
-            <a:ext cx="4427620" cy="24062"/>
-          </a:xfrm>
-          <a:prstGeom prst="straightConnector1">
-            <a:avLst/>
-          </a:prstGeom>
-          <a:ln>
-            <a:tailEnd type="triangle"/>
-          </a:ln>
-        </p:spPr>
-        <p:style>
-          <a:lnRef idx="1">
-            <a:schemeClr val="accent1"/>
-          </a:lnRef>
-          <a:fillRef idx="0">
-            <a:schemeClr val="accent1"/>
-          </a:fillRef>
-          <a:effectRef idx="0">
-            <a:schemeClr val="accent1"/>
-          </a:effectRef>
-          <a:fontRef idx="minor">
-            <a:schemeClr val="tx1"/>
-          </a:fontRef>
-        </p:style>
-      </p:cxnSp>
-      <p:sp>
-        <p:nvSpPr>
-          <p:cNvPr id="22" name="テキスト ボックス 21"/>
-          <p:cNvSpPr txBox="1"/>
-          <p:nvPr/>
-        </p:nvSpPr>
-        <p:spPr>
-          <a:xfrm flipH="1">
-            <a:off x="2727158" y="1309681"/>
-            <a:ext cx="2478506" cy="215444"/>
-          </a:xfrm>
-          <a:prstGeom prst="rect">
-            <a:avLst/>
-          </a:prstGeom>
-          <a:noFill/>
-        </p:spPr>
-        <p:txBody>
-          <a:bodyPr wrap="square" rtlCol="0">
-            <a:spAutoFit/>
-          </a:bodyPr>
-          <a:lstStyle/>
-          <a:p>
-            <a:pPr algn="ctr"/>
-            <a:r>
-              <a:rPr kumimoji="1" lang="ja-JP" altLang="en-US" sz="800" dirty="0" smtClean="0"/>
-              <a:t>加入承認・団体加入者</a:t>
-            </a:r>
-            <a:r>
-              <a:rPr kumimoji="1" lang="en-US" altLang="ja-JP" sz="800" dirty="0" smtClean="0"/>
-              <a:t>ID</a:t>
-            </a:r>
-            <a:r>
-              <a:rPr kumimoji="1" lang="ja-JP" altLang="en-US" sz="800" dirty="0" smtClean="0"/>
-              <a:t>付与</a:t>
-            </a:r>
-            <a:endParaRPr kumimoji="1" lang="ja-JP" altLang="en-US" sz="800" dirty="0"/>
-          </a:p>
-        </p:txBody>
-      </p:sp>
-      <p:cxnSp>
-        <p:nvCxnSpPr>
-          <p:cNvPr id="23" name="直線矢印コネクタ 22"/>
-          <p:cNvCxnSpPr/>
-          <p:nvPr/>
-        </p:nvCxnSpPr>
-        <p:spPr>
-          <a:xfrm>
-            <a:off x="1796716" y="1870109"/>
-            <a:ext cx="4459705" cy="4010"/>
-          </a:xfrm>
-          <a:prstGeom prst="straightConnector1">
-            <a:avLst/>
-          </a:prstGeom>
-          <a:ln>
-            <a:tailEnd type="triangle"/>
-          </a:ln>
-        </p:spPr>
-        <p:style>
-          <a:lnRef idx="1">
-            <a:schemeClr val="accent1"/>
-          </a:lnRef>
-          <a:fillRef idx="0">
-            <a:schemeClr val="accent1"/>
-          </a:fillRef>
-          <a:effectRef idx="0">
-            <a:schemeClr val="accent1"/>
-          </a:effectRef>
-          <a:fontRef idx="minor">
-            <a:schemeClr val="tx1"/>
-          </a:fontRef>
-        </p:style>
-      </p:cxnSp>
-      <p:sp>
-        <p:nvSpPr>
-          <p:cNvPr id="24" name="テキスト ボックス 23"/>
-          <p:cNvSpPr txBox="1"/>
-          <p:nvPr/>
-        </p:nvSpPr>
-        <p:spPr>
-          <a:xfrm flipH="1">
-            <a:off x="2787315" y="1898184"/>
-            <a:ext cx="2478506" cy="215444"/>
-          </a:xfrm>
-          <a:prstGeom prst="rect">
-            <a:avLst/>
-          </a:prstGeom>
-          <a:noFill/>
-        </p:spPr>
-        <p:txBody>
-          <a:bodyPr wrap="square" rtlCol="0">
-            <a:spAutoFit/>
-          </a:bodyPr>
-          <a:lstStyle/>
-          <a:p>
-            <a:pPr algn="ctr"/>
-            <a:r>
-              <a:rPr kumimoji="1" lang="ja-JP" altLang="en-US" sz="800" dirty="0" smtClean="0"/>
-              <a:t>出動地検索</a:t>
-            </a:r>
-            <a:endParaRPr kumimoji="1" lang="ja-JP" altLang="en-US" sz="800" dirty="0"/>
-          </a:p>
-        </p:txBody>
-      </p:sp>
-      <p:cxnSp>
-        <p:nvCxnSpPr>
-          <p:cNvPr id="28" name="直線矢印コネクタ 27"/>
-          <p:cNvCxnSpPr/>
-          <p:nvPr/>
-        </p:nvCxnSpPr>
-        <p:spPr>
-          <a:xfrm flipH="1" flipV="1">
-            <a:off x="1796716" y="2362840"/>
-            <a:ext cx="4427620" cy="24062"/>
-          </a:xfrm>
-          <a:prstGeom prst="straightConnector1">
-            <a:avLst/>
-          </a:prstGeom>
-          <a:ln>
-            <a:tailEnd type="triangle"/>
-          </a:ln>
-        </p:spPr>
-        <p:style>
-          <a:lnRef idx="1">
-            <a:schemeClr val="accent1"/>
-          </a:lnRef>
-          <a:fillRef idx="0">
-            <a:schemeClr val="accent1"/>
-          </a:fillRef>
-          <a:effectRef idx="0">
-            <a:schemeClr val="accent1"/>
-          </a:effectRef>
-          <a:fontRef idx="minor">
-            <a:schemeClr val="tx1"/>
-          </a:fontRef>
-        </p:style>
-      </p:cxnSp>
-      <p:sp>
-        <p:nvSpPr>
-          <p:cNvPr id="29" name="テキスト ボックス 28"/>
-          <p:cNvSpPr txBox="1"/>
-          <p:nvPr/>
-        </p:nvSpPr>
-        <p:spPr>
-          <a:xfrm flipH="1">
-            <a:off x="2695073" y="2388029"/>
-            <a:ext cx="2478506" cy="215444"/>
-          </a:xfrm>
-          <a:prstGeom prst="rect">
-            <a:avLst/>
-          </a:prstGeom>
-          <a:noFill/>
-        </p:spPr>
-        <p:txBody>
-          <a:bodyPr wrap="square" rtlCol="0">
-            <a:spAutoFit/>
-          </a:bodyPr>
-          <a:lstStyle/>
-          <a:p>
-            <a:pPr algn="ctr"/>
-            <a:r>
-              <a:rPr kumimoji="1" lang="ja-JP" altLang="en-US" sz="800" dirty="0" smtClean="0"/>
-              <a:t>依頼エリアと対照紹介情報</a:t>
-            </a:r>
-            <a:endParaRPr kumimoji="1" lang="ja-JP" altLang="en-US" sz="800" dirty="0"/>
-          </a:p>
-        </p:txBody>
-      </p:sp>
-      <p:cxnSp>
-        <p:nvCxnSpPr>
-          <p:cNvPr id="32" name="直線矢印コネクタ 31"/>
-          <p:cNvCxnSpPr/>
-          <p:nvPr/>
-        </p:nvCxnSpPr>
-        <p:spPr>
-          <a:xfrm>
-            <a:off x="1796716" y="2979490"/>
-            <a:ext cx="4459705" cy="4010"/>
-          </a:xfrm>
-          <a:prstGeom prst="straightConnector1">
-            <a:avLst/>
-          </a:prstGeom>
-          <a:ln>
-            <a:tailEnd type="triangle"/>
-          </a:ln>
-        </p:spPr>
-        <p:style>
-          <a:lnRef idx="1">
-            <a:schemeClr val="accent1"/>
-          </a:lnRef>
-          <a:fillRef idx="0">
-            <a:schemeClr val="accent1"/>
-          </a:fillRef>
-          <a:effectRef idx="0">
-            <a:schemeClr val="accent1"/>
-          </a:effectRef>
-          <a:fontRef idx="minor">
-            <a:schemeClr val="tx1"/>
-          </a:fontRef>
-        </p:style>
-      </p:cxnSp>
-      <p:sp>
-        <p:nvSpPr>
-          <p:cNvPr id="33" name="テキスト ボックス 32"/>
-          <p:cNvSpPr txBox="1"/>
-          <p:nvPr/>
-        </p:nvSpPr>
-        <p:spPr>
-          <a:xfrm flipH="1">
-            <a:off x="2787315" y="3007565"/>
-            <a:ext cx="2478506" cy="215444"/>
-          </a:xfrm>
-          <a:prstGeom prst="rect">
-            <a:avLst/>
-          </a:prstGeom>
-          <a:noFill/>
-        </p:spPr>
-        <p:txBody>
-          <a:bodyPr wrap="square" rtlCol="0">
-            <a:spAutoFit/>
-          </a:bodyPr>
-          <a:lstStyle/>
-          <a:p>
-            <a:pPr algn="ctr"/>
-            <a:r>
-              <a:rPr kumimoji="1" lang="ja-JP" altLang="en-US" sz="800" dirty="0" smtClean="0"/>
-              <a:t>出動予定報告</a:t>
-            </a:r>
-            <a:endParaRPr kumimoji="1" lang="ja-JP" altLang="en-US" sz="800" dirty="0"/>
-          </a:p>
-        </p:txBody>
-      </p:sp>
-      <p:cxnSp>
-        <p:nvCxnSpPr>
-          <p:cNvPr id="34" name="直線矢印コネクタ 33"/>
-          <p:cNvCxnSpPr/>
-          <p:nvPr/>
-        </p:nvCxnSpPr>
-        <p:spPr>
-          <a:xfrm flipV="1">
-            <a:off x="1800727" y="3459137"/>
-            <a:ext cx="9276347" cy="17567"/>
-          </a:xfrm>
-          <a:prstGeom prst="straightConnector1">
-            <a:avLst/>
-          </a:prstGeom>
-          <a:ln>
-            <a:tailEnd type="triangle"/>
-          </a:ln>
-        </p:spPr>
-        <p:style>
-          <a:lnRef idx="1">
-            <a:schemeClr val="accent1"/>
-          </a:lnRef>
-          <a:fillRef idx="0">
-            <a:schemeClr val="accent1"/>
-          </a:fillRef>
-          <a:effectRef idx="0">
-            <a:schemeClr val="accent1"/>
-          </a:effectRef>
-          <a:fontRef idx="minor">
-            <a:schemeClr val="tx1"/>
-          </a:fontRef>
-        </p:style>
-      </p:cxnSp>
-      <p:sp>
-        <p:nvSpPr>
-          <p:cNvPr id="35" name="テキスト ボックス 34"/>
-          <p:cNvSpPr txBox="1"/>
-          <p:nvPr/>
-        </p:nvSpPr>
-        <p:spPr>
-          <a:xfrm flipH="1">
-            <a:off x="2791326" y="3504779"/>
-            <a:ext cx="2478506" cy="215444"/>
-          </a:xfrm>
-          <a:prstGeom prst="rect">
-            <a:avLst/>
-          </a:prstGeom>
-          <a:noFill/>
-        </p:spPr>
-        <p:txBody>
-          <a:bodyPr wrap="square" rtlCol="0">
-            <a:spAutoFit/>
-          </a:bodyPr>
-          <a:lstStyle/>
-          <a:p>
-            <a:pPr algn="ctr"/>
-            <a:r>
-              <a:rPr kumimoji="1" lang="ja-JP" altLang="en-US" sz="800" dirty="0" smtClean="0"/>
-              <a:t>結果報告</a:t>
-            </a:r>
-            <a:endParaRPr kumimoji="1" lang="ja-JP" altLang="en-US" sz="800" dirty="0"/>
-          </a:p>
-        </p:txBody>
-      </p:sp>
-      <p:sp>
-        <p:nvSpPr>
-          <p:cNvPr id="37" name="正方形/長方形 36"/>
+      <p:sp>
+        <p:nvSpPr>
+          <p:cNvPr id="8" name="正方形/長方形 7"/>
           <p:cNvSpPr/>
           <p:nvPr/>
         </p:nvSpPr>
         <p:spPr>
           <a:xfrm>
-            <a:off x="7916779" y="3900982"/>
-            <a:ext cx="248654" cy="2859095"/>
+            <a:off x="6256421" y="80210"/>
+            <a:ext cx="240632" cy="6697579"/>
           </a:xfrm>
           <a:prstGeom prst="rect">
             <a:avLst/>
@@ -3888,15 +4159,7 @@
             <a:pPr algn="ctr"/>
             <a:r>
               <a:rPr kumimoji="1" lang="ja-JP" altLang="en-US" dirty="0" smtClean="0"/>
-              <a:t>製品素材卸</a:t>
-            </a:r>
-            <a:endParaRPr kumimoji="1" lang="en-US" altLang="ja-JP" dirty="0" smtClean="0"/>
-          </a:p>
-          <a:p>
-            <a:pPr algn="ctr"/>
-            <a:r>
-              <a:rPr kumimoji="1" lang="ja-JP" altLang="en-US" dirty="0" smtClean="0"/>
-              <a:t>食肉皮革等</a:t>
+              <a:t>団体組織</a:t>
             </a:r>
             <a:endParaRPr kumimoji="1" lang="ja-JP" altLang="en-US" dirty="0"/>
           </a:p>
@@ -3904,20 +4167,20 @@
       </p:sp>
       <p:cxnSp>
         <p:nvCxnSpPr>
-          <p:cNvPr id="38" name="直線矢印コネクタ 37"/>
+          <p:cNvPr id="61" name="直線矢印コネクタ 60"/>
           <p:cNvCxnSpPr/>
           <p:nvPr/>
         </p:nvCxnSpPr>
         <p:spPr>
           <a:xfrm flipV="1">
-            <a:off x="1804738" y="4443663"/>
-            <a:ext cx="6047873" cy="666"/>
+            <a:off x="6497053" y="5868063"/>
+            <a:ext cx="1419726" cy="30484"/>
           </a:xfrm>
           <a:prstGeom prst="straightConnector1">
             <a:avLst/>
           </a:prstGeom>
           <a:ln>
-            <a:tailEnd type="triangle"/>
+            <a:headEnd type="triangle"/>
           </a:ln>
         </p:spPr>
         <p:style>
@@ -3937,19 +4200,18 @@
       </p:cxnSp>
       <p:sp>
         <p:nvSpPr>
-          <p:cNvPr id="39" name="テキスト ボックス 38"/>
+          <p:cNvPr id="62" name="テキスト ボックス 61"/>
           <p:cNvSpPr txBox="1"/>
           <p:nvPr/>
         </p:nvSpPr>
         <p:spPr>
           <a:xfrm flipH="1">
-            <a:off x="2795337" y="4490752"/>
-            <a:ext cx="2478506" cy="215444"/>
+            <a:off x="6681352" y="5936997"/>
+            <a:ext cx="1051128" cy="215444"/>
           </a:xfrm>
           <a:prstGeom prst="rect">
             <a:avLst/>
           </a:prstGeom>
-          <a:noFill/>
         </p:spPr>
         <p:txBody>
           <a:bodyPr wrap="square" rtlCol="0">
@@ -3959,8 +4221,8 @@
           <a:p>
             <a:pPr algn="ctr"/>
             <a:r>
-              <a:rPr lang="ja-JP" altLang="en-US" sz="800" dirty="0" smtClean="0"/>
-              <a:t>捕獲鳥獣の提供</a:t>
+              <a:rPr kumimoji="1" lang="ja-JP" altLang="en-US" sz="800" dirty="0" smtClean="0"/>
+              <a:t>製品情報</a:t>
             </a:r>
             <a:endParaRPr kumimoji="1" lang="ja-JP" altLang="en-US" sz="800" dirty="0"/>
           </a:p>
@@ -3968,20 +4230,21 @@
       </p:sp>
       <p:cxnSp>
         <p:nvCxnSpPr>
-          <p:cNvPr id="43" name="直線矢印コネクタ 42"/>
+          <p:cNvPr id="64" name="直線矢印コネクタ 63"/>
           <p:cNvCxnSpPr/>
           <p:nvPr/>
         </p:nvCxnSpPr>
         <p:spPr>
-          <a:xfrm>
-            <a:off x="1804738" y="5019301"/>
-            <a:ext cx="6047873" cy="17048"/>
+          <a:xfrm flipH="1">
+            <a:off x="4592522" y="5936997"/>
+            <a:ext cx="1631814" cy="534835"/>
           </a:xfrm>
           <a:prstGeom prst="straightConnector1">
             <a:avLst/>
           </a:prstGeom>
           <a:ln>
-            <a:headEnd type="triangle"/>
+            <a:headEnd type="none"/>
+            <a:tailEnd type="oval"/>
           </a:ln>
         </p:spPr>
         <p:style>
@@ -4001,14 +4264,14 @@
       </p:cxnSp>
       <p:sp>
         <p:nvSpPr>
-          <p:cNvPr id="44" name="テキスト ボックス 43"/>
+          <p:cNvPr id="67" name="テキスト ボックス 66"/>
           <p:cNvSpPr txBox="1"/>
           <p:nvPr/>
         </p:nvSpPr>
         <p:spPr>
           <a:xfrm flipH="1">
-            <a:off x="2727157" y="5019300"/>
-            <a:ext cx="2478506" cy="215444"/>
+            <a:off x="3940548" y="6475982"/>
+            <a:ext cx="1271865" cy="215444"/>
           </a:xfrm>
           <a:prstGeom prst="rect">
             <a:avLst/>
@@ -4022,158 +4285,37 @@
           <a:p>
             <a:pPr algn="ctr"/>
             <a:r>
+              <a:rPr kumimoji="1" lang="en-US" altLang="ja-JP" sz="800" dirty="0" smtClean="0"/>
+              <a:t>EC</a:t>
+            </a:r>
+            <a:r>
               <a:rPr kumimoji="1" lang="ja-JP" altLang="en-US" sz="800" dirty="0" smtClean="0"/>
-              <a:t>販売謝礼金</a:t>
+              <a:t>販売</a:t>
             </a:r>
             <a:endParaRPr kumimoji="1" lang="ja-JP" altLang="en-US" sz="800" dirty="0"/>
           </a:p>
         </p:txBody>
       </p:sp>
-      <p:cxnSp>
-        <p:nvCxnSpPr>
-          <p:cNvPr id="54" name="直線矢印コネクタ 53"/>
-          <p:cNvCxnSpPr/>
+      <p:sp>
+        <p:nvSpPr>
+          <p:cNvPr id="42" name="正方形/長方形 41"/>
+          <p:cNvSpPr/>
           <p:nvPr/>
-        </p:nvCxnSpPr>
+        </p:nvSpPr>
         <p:spPr>
           <a:xfrm>
-            <a:off x="1828801" y="3821054"/>
-            <a:ext cx="9248273" cy="14839"/>
-          </a:xfrm>
-          <a:prstGeom prst="straightConnector1">
-            <a:avLst/>
-          </a:prstGeom>
-          <a:ln>
-            <a:headEnd type="triangle"/>
-          </a:ln>
-        </p:spPr>
-        <p:style>
-          <a:lnRef idx="1">
-            <a:schemeClr val="accent1"/>
-          </a:lnRef>
-          <a:fillRef idx="0">
-            <a:schemeClr val="accent1"/>
-          </a:fillRef>
-          <a:effectRef idx="0">
-            <a:schemeClr val="accent1"/>
-          </a:effectRef>
-          <a:fontRef idx="minor">
-            <a:schemeClr val="tx1"/>
-          </a:fontRef>
-        </p:style>
-      </p:cxnSp>
-      <p:sp>
-        <p:nvSpPr>
-          <p:cNvPr id="55" name="テキスト ボックス 54"/>
-          <p:cNvSpPr txBox="1"/>
-          <p:nvPr/>
-        </p:nvSpPr>
-        <p:spPr>
-          <a:xfrm flipH="1">
-            <a:off x="2751220" y="3821053"/>
-            <a:ext cx="2478506" cy="215444"/>
+            <a:off x="1548062" y="62499"/>
+            <a:ext cx="260686" cy="1246055"/>
           </a:xfrm>
           <a:prstGeom prst="rect">
             <a:avLst/>
           </a:prstGeom>
-        </p:spPr>
-        <p:txBody>
-          <a:bodyPr wrap="square" rtlCol="0">
-            <a:spAutoFit/>
-          </a:bodyPr>
-          <a:lstStyle/>
-          <a:p>
-            <a:pPr algn="ctr"/>
-            <a:r>
-              <a:rPr kumimoji="1" lang="ja-JP" altLang="en-US" sz="800" dirty="0" smtClean="0"/>
-              <a:t>販売謝礼金</a:t>
-            </a:r>
-            <a:endParaRPr kumimoji="1" lang="ja-JP" altLang="en-US" sz="800" dirty="0"/>
-          </a:p>
-        </p:txBody>
-      </p:sp>
-      <p:cxnSp>
-        <p:nvCxnSpPr>
-          <p:cNvPr id="58" name="直線矢印コネクタ 57"/>
-          <p:cNvCxnSpPr/>
-          <p:nvPr/>
-        </p:nvCxnSpPr>
-        <p:spPr>
-          <a:xfrm flipH="1" flipV="1">
-            <a:off x="6529138" y="158052"/>
-            <a:ext cx="4547936" cy="24494"/>
-          </a:xfrm>
-          <a:prstGeom prst="straightConnector1">
-            <a:avLst/>
-          </a:prstGeom>
-          <a:ln>
-            <a:tailEnd type="triangle"/>
-          </a:ln>
-        </p:spPr>
-        <p:style>
-          <a:lnRef idx="1">
-            <a:schemeClr val="accent1"/>
-          </a:lnRef>
-          <a:fillRef idx="0">
-            <a:schemeClr val="accent1"/>
-          </a:fillRef>
-          <a:effectRef idx="0">
-            <a:schemeClr val="accent1"/>
-          </a:effectRef>
-          <a:fontRef idx="minor">
-            <a:schemeClr val="tx1"/>
-          </a:fontRef>
-        </p:style>
-      </p:cxnSp>
-      <p:sp>
-        <p:nvSpPr>
-          <p:cNvPr id="59" name="テキスト ボックス 58"/>
-          <p:cNvSpPr txBox="1"/>
-          <p:nvPr/>
-        </p:nvSpPr>
-        <p:spPr>
-          <a:xfrm flipH="1">
-            <a:off x="7547811" y="183673"/>
-            <a:ext cx="2478506" cy="215444"/>
-          </a:xfrm>
-          <a:prstGeom prst="rect">
-            <a:avLst/>
-          </a:prstGeom>
-          <a:noFill/>
-        </p:spPr>
-        <p:txBody>
-          <a:bodyPr wrap="square" rtlCol="0">
-            <a:spAutoFit/>
-          </a:bodyPr>
-          <a:lstStyle/>
-          <a:p>
-            <a:pPr algn="ctr"/>
-            <a:r>
-              <a:rPr lang="ja-JP" altLang="en-US" sz="800" dirty="0" smtClean="0"/>
-              <a:t>駆除</a:t>
-            </a:r>
-            <a:r>
-              <a:rPr lang="ja-JP" altLang="en-US" sz="800" dirty="0"/>
-              <a:t>依頼</a:t>
-            </a:r>
-            <a:endParaRPr kumimoji="1" lang="ja-JP" altLang="en-US" sz="800" dirty="0"/>
-          </a:p>
-        </p:txBody>
-      </p:sp>
-      <p:sp>
-        <p:nvSpPr>
-          <p:cNvPr id="8" name="正方形/長方形 7"/>
-          <p:cNvSpPr/>
-          <p:nvPr/>
-        </p:nvSpPr>
-        <p:spPr>
-          <a:xfrm>
-            <a:off x="6256421" y="80210"/>
-            <a:ext cx="240632" cy="6697579"/>
-          </a:xfrm>
-          <a:prstGeom prst="rect">
-            <a:avLst/>
-          </a:prstGeom>
+          <a:solidFill>
+            <a:schemeClr val="accent2">
+              <a:lumMod val="40000"/>
+              <a:lumOff val="60000"/>
+            </a:schemeClr>
+          </a:solidFill>
         </p:spPr>
         <p:style>
           <a:lnRef idx="2">
@@ -4198,140 +4340,53 @@
             <a:pPr algn="ctr"/>
             <a:r>
               <a:rPr kumimoji="1" lang="ja-JP" altLang="en-US" dirty="0" smtClean="0"/>
-              <a:t>団体組織</a:t>
+              <a:t>未加入</a:t>
             </a:r>
             <a:endParaRPr kumimoji="1" lang="ja-JP" altLang="en-US" dirty="0"/>
           </a:p>
         </p:txBody>
       </p:sp>
-      <p:cxnSp>
-        <p:nvCxnSpPr>
-          <p:cNvPr id="61" name="直線矢印コネクタ 60"/>
-          <p:cNvCxnSpPr/>
+      <p:sp>
+        <p:nvSpPr>
+          <p:cNvPr id="45" name="正方形/長方形 44"/>
+          <p:cNvSpPr/>
           <p:nvPr/>
-        </p:nvCxnSpPr>
+        </p:nvSpPr>
         <p:spPr>
           <a:xfrm>
-            <a:off x="6497053" y="5898545"/>
-            <a:ext cx="1355558" cy="0"/>
-          </a:xfrm>
-          <a:prstGeom prst="straightConnector1">
-            <a:avLst/>
-          </a:prstGeom>
-          <a:ln>
-            <a:headEnd type="triangle"/>
-          </a:ln>
-        </p:spPr>
-        <p:style>
-          <a:lnRef idx="1">
-            <a:schemeClr val="accent1"/>
-          </a:lnRef>
-          <a:fillRef idx="0">
-            <a:schemeClr val="accent1"/>
-          </a:fillRef>
-          <a:effectRef idx="0">
-            <a:schemeClr val="accent1"/>
-          </a:effectRef>
-          <a:fontRef idx="minor">
-            <a:schemeClr val="tx1"/>
-          </a:fontRef>
-        </p:style>
-      </p:cxnSp>
-      <p:sp>
-        <p:nvSpPr>
-          <p:cNvPr id="62" name="テキスト ボックス 61"/>
-          <p:cNvSpPr txBox="1"/>
-          <p:nvPr/>
-        </p:nvSpPr>
-        <p:spPr>
-          <a:xfrm flipH="1">
-            <a:off x="6681352" y="5936997"/>
-            <a:ext cx="1051128" cy="215444"/>
+            <a:off x="1548062" y="1321567"/>
+            <a:ext cx="260686" cy="5438509"/>
           </a:xfrm>
           <a:prstGeom prst="rect">
             <a:avLst/>
           </a:prstGeom>
         </p:spPr>
-        <p:txBody>
-          <a:bodyPr wrap="square" rtlCol="0">
-            <a:spAutoFit/>
-          </a:bodyPr>
-          <a:lstStyle/>
-          <a:p>
-            <a:pPr algn="ctr"/>
-            <a:r>
-              <a:rPr kumimoji="1" lang="ja-JP" altLang="en-US" sz="800" dirty="0" smtClean="0"/>
-              <a:t>製品情報</a:t>
-            </a:r>
-            <a:endParaRPr kumimoji="1" lang="ja-JP" altLang="en-US" sz="800" dirty="0"/>
-          </a:p>
-        </p:txBody>
-      </p:sp>
-      <p:cxnSp>
-        <p:nvCxnSpPr>
-          <p:cNvPr id="64" name="直線矢印コネクタ 63"/>
-          <p:cNvCxnSpPr/>
-          <p:nvPr/>
-        </p:nvCxnSpPr>
-        <p:spPr>
-          <a:xfrm flipH="1">
-            <a:off x="4592522" y="5936997"/>
-            <a:ext cx="1571750" cy="534835"/>
-          </a:xfrm>
-          <a:prstGeom prst="straightConnector1">
-            <a:avLst/>
-          </a:prstGeom>
-          <a:ln>
-            <a:headEnd type="none"/>
-            <a:tailEnd type="oval"/>
-          </a:ln>
-        </p:spPr>
         <p:style>
-          <a:lnRef idx="1">
-            <a:schemeClr val="accent1"/>
+          <a:lnRef idx="2">
+            <a:schemeClr val="accent1">
+              <a:shade val="50000"/>
+            </a:schemeClr>
           </a:lnRef>
-          <a:fillRef idx="0">
+          <a:fillRef idx="1">
             <a:schemeClr val="accent1"/>
           </a:fillRef>
           <a:effectRef idx="0">
             <a:schemeClr val="accent1"/>
           </a:effectRef>
           <a:fontRef idx="minor">
-            <a:schemeClr val="tx1"/>
+            <a:schemeClr val="lt1"/>
           </a:fontRef>
         </p:style>
-      </p:cxnSp>
-      <p:sp>
-        <p:nvSpPr>
-          <p:cNvPr id="67" name="テキスト ボックス 66"/>
-          <p:cNvSpPr txBox="1"/>
-          <p:nvPr/>
-        </p:nvSpPr>
-        <p:spPr>
-          <a:xfrm flipH="1">
-            <a:off x="3940548" y="6475982"/>
-            <a:ext cx="1271865" cy="215444"/>
-          </a:xfrm>
-          <a:prstGeom prst="rect">
-            <a:avLst/>
-          </a:prstGeom>
-        </p:spPr>
-        <p:txBody>
-          <a:bodyPr wrap="square" rtlCol="0">
-            <a:spAutoFit/>
-          </a:bodyPr>
+        <p:txBody>
+          <a:bodyPr rtlCol="0" anchor="ctr"/>
           <a:lstStyle/>
           <a:p>
             <a:pPr algn="ctr"/>
             <a:r>
-              <a:rPr kumimoji="1" lang="en-US" altLang="ja-JP" sz="800" dirty="0" smtClean="0"/>
-              <a:t>EC</a:t>
-            </a:r>
-            <a:r>
-              <a:rPr kumimoji="1" lang="ja-JP" altLang="en-US" sz="800" dirty="0" smtClean="0"/>
-              <a:t>販売</a:t>
-            </a:r>
-            <a:endParaRPr kumimoji="1" lang="ja-JP" altLang="en-US" sz="800" dirty="0"/>
+              <a:rPr kumimoji="1" lang="ja-JP" altLang="en-US" dirty="0" smtClean="0"/>
+              <a:t>団体会員</a:t>
+            </a:r>
+            <a:endParaRPr kumimoji="1" lang="ja-JP" altLang="en-US" dirty="0"/>
           </a:p>
         </p:txBody>
       </p:sp>

--- a/組織と自治体-依頼主、会員との関係シーケンス.pptx
+++ b/組織と自治体-依頼主、会員との関係シーケンス.pptx
@@ -244,7 +244,7 @@
           <a:p>
             <a:fld id="{009921E4-1027-473D-964A-9242D5A30F7B}" type="datetimeFigureOut">
               <a:rPr kumimoji="1" lang="ja-JP" altLang="en-US" smtClean="0"/>
-              <a:t>2018/2/13</a:t>
+              <a:t>2018/2/14</a:t>
             </a:fld>
             <a:endParaRPr kumimoji="1" lang="ja-JP" altLang="en-US"/>
           </a:p>
@@ -446,7 +446,7 @@
           <a:p>
             <a:fld id="{009921E4-1027-473D-964A-9242D5A30F7B}" type="datetimeFigureOut">
               <a:rPr kumimoji="1" lang="ja-JP" altLang="en-US" smtClean="0"/>
-              <a:t>2018/2/13</a:t>
+              <a:t>2018/2/14</a:t>
             </a:fld>
             <a:endParaRPr kumimoji="1" lang="ja-JP" altLang="en-US"/>
           </a:p>
@@ -658,7 +658,7 @@
           <a:p>
             <a:fld id="{009921E4-1027-473D-964A-9242D5A30F7B}" type="datetimeFigureOut">
               <a:rPr kumimoji="1" lang="ja-JP" altLang="en-US" smtClean="0"/>
-              <a:t>2018/2/13</a:t>
+              <a:t>2018/2/14</a:t>
             </a:fld>
             <a:endParaRPr kumimoji="1" lang="ja-JP" altLang="en-US"/>
           </a:p>
@@ -860,7 +860,7 @@
           <a:p>
             <a:fld id="{009921E4-1027-473D-964A-9242D5A30F7B}" type="datetimeFigureOut">
               <a:rPr kumimoji="1" lang="ja-JP" altLang="en-US" smtClean="0"/>
-              <a:t>2018/2/13</a:t>
+              <a:t>2018/2/14</a:t>
             </a:fld>
             <a:endParaRPr kumimoji="1" lang="ja-JP" altLang="en-US"/>
           </a:p>
@@ -1106,7 +1106,7 @@
           <a:p>
             <a:fld id="{009921E4-1027-473D-964A-9242D5A30F7B}" type="datetimeFigureOut">
               <a:rPr kumimoji="1" lang="ja-JP" altLang="en-US" smtClean="0"/>
-              <a:t>2018/2/13</a:t>
+              <a:t>2018/2/14</a:t>
             </a:fld>
             <a:endParaRPr kumimoji="1" lang="ja-JP" altLang="en-US"/>
           </a:p>
@@ -1402,7 +1402,7 @@
           <a:p>
             <a:fld id="{009921E4-1027-473D-964A-9242D5A30F7B}" type="datetimeFigureOut">
               <a:rPr kumimoji="1" lang="ja-JP" altLang="en-US" smtClean="0"/>
-              <a:t>2018/2/13</a:t>
+              <a:t>2018/2/14</a:t>
             </a:fld>
             <a:endParaRPr kumimoji="1" lang="ja-JP" altLang="en-US"/>
           </a:p>
@@ -1833,7 +1833,7 @@
           <a:p>
             <a:fld id="{009921E4-1027-473D-964A-9242D5A30F7B}" type="datetimeFigureOut">
               <a:rPr kumimoji="1" lang="ja-JP" altLang="en-US" smtClean="0"/>
-              <a:t>2018/2/13</a:t>
+              <a:t>2018/2/14</a:t>
             </a:fld>
             <a:endParaRPr kumimoji="1" lang="ja-JP" altLang="en-US"/>
           </a:p>
@@ -1951,7 +1951,7 @@
           <a:p>
             <a:fld id="{009921E4-1027-473D-964A-9242D5A30F7B}" type="datetimeFigureOut">
               <a:rPr kumimoji="1" lang="ja-JP" altLang="en-US" smtClean="0"/>
-              <a:t>2018/2/13</a:t>
+              <a:t>2018/2/14</a:t>
             </a:fld>
             <a:endParaRPr kumimoji="1" lang="ja-JP" altLang="en-US"/>
           </a:p>
@@ -2046,7 +2046,7 @@
           <a:p>
             <a:fld id="{009921E4-1027-473D-964A-9242D5A30F7B}" type="datetimeFigureOut">
               <a:rPr kumimoji="1" lang="ja-JP" altLang="en-US" smtClean="0"/>
-              <a:t>2018/2/13</a:t>
+              <a:t>2018/2/14</a:t>
             </a:fld>
             <a:endParaRPr kumimoji="1" lang="ja-JP" altLang="en-US"/>
           </a:p>
@@ -2355,7 +2355,7 @@
           <a:p>
             <a:fld id="{009921E4-1027-473D-964A-9242D5A30F7B}" type="datetimeFigureOut">
               <a:rPr kumimoji="1" lang="ja-JP" altLang="en-US" smtClean="0"/>
-              <a:t>2018/2/13</a:t>
+              <a:t>2018/2/14</a:t>
             </a:fld>
             <a:endParaRPr kumimoji="1" lang="ja-JP" altLang="en-US"/>
           </a:p>
@@ -2608,7 +2608,7 @@
           <a:p>
             <a:fld id="{009921E4-1027-473D-964A-9242D5A30F7B}" type="datetimeFigureOut">
               <a:rPr kumimoji="1" lang="ja-JP" altLang="en-US" smtClean="0"/>
-              <a:t>2018/2/13</a:t>
+              <a:t>2018/2/14</a:t>
             </a:fld>
             <a:endParaRPr kumimoji="1" lang="ja-JP" altLang="en-US"/>
           </a:p>
@@ -2853,7 +2853,7 @@
           <a:p>
             <a:fld id="{009921E4-1027-473D-964A-9242D5A30F7B}" type="datetimeFigureOut">
               <a:rPr kumimoji="1" lang="ja-JP" altLang="en-US" smtClean="0"/>
-              <a:t>2018/2/13</a:t>
+              <a:t>2018/2/14</a:t>
             </a:fld>
             <a:endParaRPr kumimoji="1" lang="ja-JP" altLang="en-US"/>
           </a:p>
@@ -3270,14 +3270,47 @@
         </p:nvSpPr>
         <p:spPr/>
         <p:txBody>
-          <a:bodyPr/>
-          <a:lstStyle/>
-          <a:p>
-            <a:r>
-              <a:rPr kumimoji="1" lang="ja-JP" altLang="en-US" dirty="0" smtClean="0"/>
-              <a:t>自治体・地主当依頼主と組織、その会員との関係図</a:t>
-            </a:r>
-            <a:endParaRPr kumimoji="1" lang="ja-JP" altLang="en-US" dirty="0"/>
+          <a:bodyPr>
+            <a:normAutofit/>
+          </a:bodyPr>
+          <a:lstStyle/>
+          <a:p>
+            <a:r>
+              <a:rPr kumimoji="1" lang="ja-JP" altLang="en-US" sz="3600" dirty="0" smtClean="0"/>
+              <a:t>自治体・地主当依頼主と組織</a:t>
+            </a:r>
+            <a:r>
+              <a:rPr kumimoji="1" lang="ja-JP" altLang="en-US" sz="3600" dirty="0" smtClean="0"/>
+              <a:t>、</a:t>
+            </a:r>
+            <a:r>
+              <a:rPr kumimoji="1" lang="en-US" altLang="ja-JP" sz="3600" dirty="0" smtClean="0"/>
+              <a:t/>
+            </a:r>
+            <a:br>
+              <a:rPr kumimoji="1" lang="en-US" altLang="ja-JP" sz="3600" dirty="0" smtClean="0"/>
+            </a:br>
+            <a:r>
+              <a:rPr kumimoji="1" lang="ja-JP" altLang="en-US" sz="3600" dirty="0" smtClean="0"/>
+              <a:t>その</a:t>
+            </a:r>
+            <a:r>
+              <a:rPr kumimoji="1" lang="ja-JP" altLang="en-US" sz="3600" dirty="0" smtClean="0"/>
+              <a:t>会員</a:t>
+            </a:r>
+            <a:r>
+              <a:rPr kumimoji="1" lang="ja-JP" altLang="en-US" sz="3600" dirty="0" smtClean="0"/>
+              <a:t>との</a:t>
+            </a:r>
+            <a:r>
+              <a:rPr kumimoji="1" lang="ja-JP" altLang="en-US" sz="3200" dirty="0" smtClean="0"/>
+              <a:t>活動</a:t>
+            </a:r>
+            <a:r>
+              <a:rPr kumimoji="1" lang="ja-JP" altLang="en-US" sz="3600" dirty="0" smtClean="0"/>
+              <a:t>従事シーケンス</a:t>
+            </a:r>
+            <a:endParaRPr kumimoji="1" lang="ja-JP" altLang="en-US" sz="3600" dirty="0"/>
           </a:p>
         </p:txBody>
       </p:sp>
@@ -3427,7 +3460,7 @@
         </p:nvCxnSpPr>
         <p:spPr>
           <a:xfrm flipH="1" flipV="1">
-            <a:off x="1828801" y="762002"/>
+            <a:off x="1796715" y="897366"/>
             <a:ext cx="4427620" cy="24062"/>
           </a:xfrm>
           <a:prstGeom prst="straightConnector1">
@@ -3460,7 +3493,7 @@
         </p:nvSpPr>
         <p:spPr>
           <a:xfrm flipH="1">
-            <a:off x="2727158" y="787191"/>
+            <a:off x="2695072" y="922555"/>
             <a:ext cx="2478506" cy="215444"/>
           </a:xfrm>
           <a:prstGeom prst="rect">
@@ -3541,15 +3574,11 @@
             <a:pPr algn="ctr"/>
             <a:r>
               <a:rPr kumimoji="1" lang="ja-JP" altLang="en-US" sz="800" dirty="0" smtClean="0"/>
-              <a:t>加入承認・団体加入者</a:t>
-            </a:r>
-            <a:r>
-              <a:rPr kumimoji="1" lang="en-US" altLang="ja-JP" sz="800" dirty="0" smtClean="0"/>
-              <a:t>ID</a:t>
+              <a:t>加入</a:t>
             </a:r>
             <a:r>
               <a:rPr kumimoji="1" lang="ja-JP" altLang="en-US" sz="800" dirty="0" smtClean="0"/>
-              <a:t>付与</a:t>
+              <a:t>承認</a:t>
             </a:r>
             <a:endParaRPr kumimoji="1" lang="ja-JP" altLang="en-US" sz="800" dirty="0"/>
           </a:p>
@@ -3692,7 +3721,7 @@
         <p:spPr>
           <a:xfrm>
             <a:off x="1796716" y="2979490"/>
-            <a:ext cx="4459705" cy="4010"/>
+            <a:ext cx="9280358" cy="19596"/>
           </a:xfrm>
           <a:prstGeom prst="straightConnector1">
             <a:avLst/>
@@ -4046,8 +4075,16 @@
           <a:p>
             <a:pPr algn="ctr"/>
             <a:r>
+              <a:rPr lang="ja-JP" altLang="en-US" sz="800" dirty="0" smtClean="0"/>
+              <a:t>駆除</a:t>
+            </a:r>
+            <a:r>
+              <a:rPr lang="ja-JP" altLang="en-US" sz="800" dirty="0"/>
+              <a:t>奨励</a:t>
+            </a:r>
+            <a:r>
               <a:rPr kumimoji="1" lang="ja-JP" altLang="en-US" sz="800" dirty="0" smtClean="0"/>
-              <a:t>販売謝礼金</a:t>
+              <a:t>金</a:t>
             </a:r>
             <a:endParaRPr kumimoji="1" lang="ja-JP" altLang="en-US" sz="800" dirty="0"/>
           </a:p>
@@ -4304,16 +4341,16 @@
         </p:nvSpPr>
         <p:spPr>
           <a:xfrm>
-            <a:off x="1548062" y="62499"/>
-            <a:ext cx="260686" cy="1246055"/>
+            <a:off x="1548062" y="292769"/>
+            <a:ext cx="248653" cy="1015785"/>
           </a:xfrm>
           <a:prstGeom prst="rect">
             <a:avLst/>
           </a:prstGeom>
           <a:solidFill>
-            <a:schemeClr val="accent2">
-              <a:lumMod val="40000"/>
-              <a:lumOff val="60000"/>
+            <a:schemeClr val="accent6">
+              <a:lumMod val="60000"/>
+              <a:lumOff val="40000"/>
             </a:schemeClr>
           </a:solidFill>
         </p:spPr>
@@ -4339,8 +4376,12 @@
           <a:p>
             <a:pPr algn="ctr"/>
             <a:r>
+              <a:rPr lang="ja-JP" altLang="en-US" dirty="0"/>
+              <a:t>仮</a:t>
+            </a:r>
+            <a:r>
               <a:rPr kumimoji="1" lang="ja-JP" altLang="en-US" dirty="0" smtClean="0"/>
-              <a:t>未加入</a:t>
+              <a:t>加入</a:t>
             </a:r>
             <a:endParaRPr kumimoji="1" lang="ja-JP" altLang="en-US" dirty="0"/>
           </a:p>
@@ -4387,6 +4428,123 @@
               <a:t>団体会員</a:t>
             </a:r>
             <a:endParaRPr kumimoji="1" lang="ja-JP" altLang="en-US" dirty="0"/>
+          </a:p>
+        </p:txBody>
+      </p:sp>
+      <p:sp>
+        <p:nvSpPr>
+          <p:cNvPr id="36" name="正方形/長方形 35"/>
+          <p:cNvSpPr/>
+          <p:nvPr/>
+        </p:nvSpPr>
+        <p:spPr>
+          <a:xfrm>
+            <a:off x="1548062" y="62499"/>
+            <a:ext cx="260686" cy="229143"/>
+          </a:xfrm>
+          <a:prstGeom prst="rect">
+            <a:avLst/>
+          </a:prstGeom>
+          <a:solidFill>
+            <a:schemeClr val="bg2">
+              <a:lumMod val="75000"/>
+            </a:schemeClr>
+          </a:solidFill>
+        </p:spPr>
+        <p:style>
+          <a:lnRef idx="2">
+            <a:schemeClr val="accent1">
+              <a:shade val="50000"/>
+            </a:schemeClr>
+          </a:lnRef>
+          <a:fillRef idx="1">
+            <a:schemeClr val="accent1"/>
+          </a:fillRef>
+          <a:effectRef idx="0">
+            <a:schemeClr val="accent1"/>
+          </a:effectRef>
+          <a:fontRef idx="minor">
+            <a:schemeClr val="lt1"/>
+          </a:fontRef>
+        </p:style>
+        <p:txBody>
+          <a:bodyPr rtlCol="0" anchor="ctr"/>
+          <a:lstStyle/>
+          <a:p>
+            <a:pPr algn="ctr"/>
+            <a:endParaRPr kumimoji="1" lang="ja-JP" altLang="en-US" dirty="0"/>
+          </a:p>
+        </p:txBody>
+      </p:sp>
+      <p:cxnSp>
+        <p:nvCxnSpPr>
+          <p:cNvPr id="40" name="直線矢印コネクタ 39"/>
+          <p:cNvCxnSpPr/>
+          <p:nvPr/>
+        </p:nvCxnSpPr>
+        <p:spPr>
+          <a:xfrm flipH="1" flipV="1">
+            <a:off x="1796715" y="580777"/>
+            <a:ext cx="4427620" cy="24062"/>
+          </a:xfrm>
+          <a:prstGeom prst="straightConnector1">
+            <a:avLst/>
+          </a:prstGeom>
+          <a:ln>
+            <a:tailEnd type="triangle"/>
+          </a:ln>
+        </p:spPr>
+        <p:style>
+          <a:lnRef idx="1">
+            <a:schemeClr val="accent1"/>
+          </a:lnRef>
+          <a:fillRef idx="0">
+            <a:schemeClr val="accent1"/>
+          </a:fillRef>
+          <a:effectRef idx="0">
+            <a:schemeClr val="accent1"/>
+          </a:effectRef>
+          <a:fontRef idx="minor">
+            <a:schemeClr val="tx1"/>
+          </a:fontRef>
+        </p:style>
+      </p:cxnSp>
+      <p:sp>
+        <p:nvSpPr>
+          <p:cNvPr id="41" name="テキスト ボックス 40"/>
+          <p:cNvSpPr txBox="1"/>
+          <p:nvPr/>
+        </p:nvSpPr>
+        <p:spPr>
+          <a:xfrm flipH="1">
+            <a:off x="2695072" y="605966"/>
+            <a:ext cx="2478506" cy="215444"/>
+          </a:xfrm>
+          <a:prstGeom prst="rect">
+            <a:avLst/>
+          </a:prstGeom>
+          <a:noFill/>
+        </p:spPr>
+        <p:txBody>
+          <a:bodyPr wrap="square" rtlCol="0">
+            <a:spAutoFit/>
+          </a:bodyPr>
+          <a:lstStyle/>
+          <a:p>
+            <a:pPr algn="ctr"/>
+            <a:r>
+              <a:rPr kumimoji="1" lang="ja-JP" altLang="en-US" sz="800" dirty="0" smtClean="0"/>
+              <a:t>加入者</a:t>
+            </a:r>
+            <a:r>
+              <a:rPr kumimoji="1" lang="en-US" altLang="ja-JP" sz="800" dirty="0" smtClean="0"/>
+              <a:t>ID</a:t>
+            </a:r>
+            <a:r>
+              <a:rPr kumimoji="1" lang="ja-JP" altLang="en-US" sz="800" dirty="0" smtClean="0"/>
+              <a:t>付与</a:t>
+            </a:r>
+            <a:endParaRPr kumimoji="1" lang="ja-JP" altLang="en-US" sz="800" dirty="0"/>
           </a:p>
         </p:txBody>
       </p:sp>
